--- a/Clase 8/clase8.pptx
+++ b/Clase 8/clase8.pptx
@@ -12093,13 +12093,8 @@
             </a:r>
             <a:r>
               <a:rPr lang="es-ES" dirty="0"/>
-              <a:t> las </a:t>
-            </a:r>
-            <a:r>
-              <a:rPr lang="es-ES"/>
-              <a:t>restricciones respectivas.</a:t>
-            </a:r>
-            <a:endParaRPr lang="es-ES" dirty="0"/>
+              <a:t> las restricciones respectivas.</a:t>
+            </a:r>
           </a:p>
           <a:p>
             <a:pPr lvl="0">
@@ -12960,63 +12955,153 @@
               <a:buNone/>
             </a:pPr>
             <a:r>
-              <a:rPr lang="es" sz="2400" dirty="0">
+              <a:rPr lang="en-US" sz="2400">
                 <a:solidFill>
                   <a:srgbClr val="002060"/>
                 </a:solidFill>
               </a:rPr>
-              <a:t>create or replace function sumar(integer,integer) returns integer</a:t>
-            </a:r>
-            <a:br>
-              <a:rPr lang="es" sz="2400" dirty="0">
+              <a:t>CREATE OR REPLACE </a:t>
+            </a:r>
+            <a:r>
+              <a:rPr lang="en-US" sz="2400" dirty="0">
                 <a:solidFill>
                   <a:srgbClr val="002060"/>
                 </a:solidFill>
               </a:rPr>
-            </a:br>
-            <a:r>
-              <a:rPr lang="es" sz="2400" dirty="0">
+              <a:t>FUNCTION </a:t>
+            </a:r>
+            <a:r>
+              <a:rPr lang="en-US" sz="2400" dirty="0" err="1">
                 <a:solidFill>
                   <a:srgbClr val="002060"/>
                 </a:solidFill>
               </a:rPr>
-              <a:t> AS</a:t>
-            </a:r>
-            <a:br>
-              <a:rPr lang="es" sz="2400" dirty="0">
+              <a:t>sumar</a:t>
+            </a:r>
+            <a:r>
+              <a:rPr lang="en-US" sz="2400" dirty="0">
                 <a:solidFill>
                   <a:srgbClr val="002060"/>
                 </a:solidFill>
               </a:rPr>
-            </a:br>
-            <a:r>
-              <a:rPr lang="es" sz="2400" dirty="0">
+              <a:t>(</a:t>
+            </a:r>
+            <a:r>
+              <a:rPr lang="en-US" sz="2400" dirty="0" err="1">
                 <a:solidFill>
                   <a:srgbClr val="002060"/>
                 </a:solidFill>
               </a:rPr>
-              <a:t>  select $1+$2;</a:t>
-            </a:r>
-            <a:br>
-              <a:rPr lang="es" sz="2400" dirty="0">
+              <a:t>integer,integer</a:t>
+            </a:r>
+            <a:r>
+              <a:rPr lang="en-US" sz="2400" dirty="0">
                 <a:solidFill>
                   <a:srgbClr val="002060"/>
                 </a:solidFill>
               </a:rPr>
-            </a:br>
-            <a:r>
-              <a:rPr lang="es" sz="2400" dirty="0">
+              <a:t>) RETURNS integer AS $</a:t>
+            </a:r>
+            <a:r>
+              <a:rPr lang="en-US" sz="2400" dirty="0" err="1">
                 <a:solidFill>
                   <a:srgbClr val="002060"/>
                 </a:solidFill>
               </a:rPr>
-              <a:t>language sql;</a:t>
-            </a:r>
-          </a:p>
-          <a:p>
-            <a:pPr marL="0" indent="0">
+              <a:t>func</a:t>
+            </a:r>
+            <a:r>
+              <a:rPr lang="en-US" sz="2400" dirty="0">
+                <a:solidFill>
+                  <a:srgbClr val="002060"/>
+                </a:solidFill>
+              </a:rPr>
+              <a:t>$</a:t>
+            </a:r>
+          </a:p>
+          <a:p>
+            <a:pPr marL="300038" lvl="1" indent="0">
               <a:buNone/>
             </a:pPr>
+            <a:r>
+              <a:rPr lang="en-US" sz="2400" dirty="0">
+                <a:solidFill>
+                  <a:srgbClr val="002060"/>
+                </a:solidFill>
+              </a:rPr>
+              <a:t>BEGIN</a:t>
+            </a:r>
+          </a:p>
+          <a:p>
+            <a:pPr marL="300038" lvl="1" indent="0">
+              <a:buNone/>
+            </a:pPr>
+            <a:r>
+              <a:rPr lang="en-US" sz="2400" dirty="0">
+                <a:solidFill>
+                  <a:srgbClr val="002060"/>
+                </a:solidFill>
+              </a:rPr>
+              <a:t>  SELECT $1+$2;</a:t>
+            </a:r>
+          </a:p>
+          <a:p>
+            <a:pPr marL="300038" lvl="1" indent="0">
+              <a:buNone/>
+            </a:pPr>
+            <a:r>
+              <a:rPr lang="en-US" sz="2400" dirty="0">
+                <a:solidFill>
+                  <a:srgbClr val="002060"/>
+                </a:solidFill>
+              </a:rPr>
+              <a:t>END</a:t>
+            </a:r>
+          </a:p>
+          <a:p>
+            <a:pPr marL="300038" lvl="1" indent="0">
+              <a:buNone/>
+            </a:pPr>
+            <a:r>
+              <a:rPr lang="en-US" sz="2400" dirty="0">
+                <a:solidFill>
+                  <a:srgbClr val="002060"/>
+                </a:solidFill>
+              </a:rPr>
+              <a:t>$</a:t>
+            </a:r>
+            <a:r>
+              <a:rPr lang="en-US" sz="2400" dirty="0" err="1">
+                <a:solidFill>
+                  <a:srgbClr val="002060"/>
+                </a:solidFill>
+              </a:rPr>
+              <a:t>func</a:t>
+            </a:r>
+            <a:r>
+              <a:rPr lang="en-US" sz="2400" dirty="0">
+                <a:solidFill>
+                  <a:srgbClr val="002060"/>
+                </a:solidFill>
+              </a:rPr>
+              <a:t>$ LANGUAGE </a:t>
+            </a:r>
+            <a:r>
+              <a:rPr lang="en-US" sz="2400" dirty="0" err="1">
+                <a:solidFill>
+                  <a:srgbClr val="002060"/>
+                </a:solidFill>
+              </a:rPr>
+              <a:t>plpgsql</a:t>
+            </a:r>
+            <a:r>
+              <a:rPr lang="en-US" sz="2400" dirty="0">
+                <a:solidFill>
+                  <a:srgbClr val="002060"/>
+                </a:solidFill>
+              </a:rPr>
+              <a:t>;</a:t>
+            </a:r>
             <a:endParaRPr lang="es" dirty="0"/>
           </a:p>
           <a:p>

--- a/Clase 8/clase8.pptx
+++ b/Clase 8/clase8.pptx
@@ -12955,20 +12955,12 @@
               <a:buNone/>
             </a:pPr>
             <a:r>
-              <a:rPr lang="en-US" sz="2400">
-                <a:solidFill>
-                  <a:srgbClr val="002060"/>
-                </a:solidFill>
-              </a:rPr>
-              <a:t>CREATE OR REPLACE </a:t>
-            </a:r>
-            <a:r>
               <a:rPr lang="en-US" sz="2400" dirty="0">
                 <a:solidFill>
                   <a:srgbClr val="002060"/>
                 </a:solidFill>
               </a:rPr>
-              <a:t>FUNCTION </a:t>
+              <a:t>CREATE OR REPLACE FUNCTION </a:t>
             </a:r>
             <a:r>
               <a:rPr lang="en-US" sz="2400" dirty="0" err="1">
@@ -13229,17 +13221,24 @@
             <a:endParaRPr lang="es" dirty="0"/>
           </a:p>
           <a:p>
-            <a:pPr marL="0" indent="0">
+            <a:pPr marL="300038" lvl="1" indent="0">
               <a:buNone/>
             </a:pPr>
             <a:r>
-              <a:rPr lang="es" dirty="0">
+              <a:rPr lang="es-ES" sz="2400" dirty="0">
                 <a:solidFill>
                   <a:srgbClr val="002060"/>
                 </a:solidFill>
-                <a:latin typeface="Calibri Light" panose="020F0302020204030204" pitchFamily="34" charset="0"/>
               </a:rPr>
-              <a:t>select sumar(3,4);</a:t>
+              <a:t>SELECT</a:t>
+            </a:r>
+            <a:r>
+              <a:rPr lang="es" sz="2400" dirty="0">
+                <a:solidFill>
+                  <a:srgbClr val="002060"/>
+                </a:solidFill>
+              </a:rPr>
+              <a:t> sumar(3,4);</a:t>
             </a:r>
           </a:p>
           <a:p>
